--- a/bin/TEMPLATE_BOLD.pptx
+++ b/bin/TEMPLATE_BOLD.pptx
@@ -218,7 +218,7 @@
           <a:p>
             <a:fld id="{2E9DB196-4E5B-B64B-848D-69F7B54B86BB}" type="datetimeFigureOut">
               <a:rPr lang="en-US" smtClean="0"/>
-              <a:t>8/3/20</a:t>
+              <a:t>8/4/20</a:t>
             </a:fld>
             <a:endParaRPr lang="en-US"/>
           </a:p>
@@ -825,7 +825,7 @@
           <a:p>
             <a:fld id="{AFCB438B-53EA-094D-A45F-391681BE2E8A}" type="datetimeFigureOut">
               <a:rPr lang="en-US" smtClean="0"/>
-              <a:t>8/3/20</a:t>
+              <a:t>8/4/20</a:t>
             </a:fld>
             <a:endParaRPr lang="en-US"/>
           </a:p>
@@ -990,7 +990,7 @@
           <a:p>
             <a:fld id="{AFCB438B-53EA-094D-A45F-391681BE2E8A}" type="datetimeFigureOut">
               <a:rPr lang="en-US" smtClean="0"/>
-              <a:t>8/3/20</a:t>
+              <a:t>8/4/20</a:t>
             </a:fld>
             <a:endParaRPr lang="en-US"/>
           </a:p>
@@ -1165,7 +1165,7 @@
           <a:p>
             <a:fld id="{AFCB438B-53EA-094D-A45F-391681BE2E8A}" type="datetimeFigureOut">
               <a:rPr lang="en-US" smtClean="0"/>
-              <a:t>8/3/20</a:t>
+              <a:t>8/4/20</a:t>
             </a:fld>
             <a:endParaRPr lang="en-US"/>
           </a:p>
@@ -1384,7 +1384,7 @@
           <a:p>
             <a:fld id="{AFCB438B-53EA-094D-A45F-391681BE2E8A}" type="datetimeFigureOut">
               <a:rPr lang="en-US" smtClean="0"/>
-              <a:t>8/3/20</a:t>
+              <a:t>8/4/20</a:t>
             </a:fld>
             <a:endParaRPr lang="en-US"/>
           </a:p>
@@ -1623,7 +1623,7 @@
           <a:p>
             <a:fld id="{AFCB438B-53EA-094D-A45F-391681BE2E8A}" type="datetimeFigureOut">
               <a:rPr lang="en-US" smtClean="0"/>
-              <a:t>8/3/20</a:t>
+              <a:t>8/4/20</a:t>
             </a:fld>
             <a:endParaRPr lang="en-US"/>
           </a:p>
@@ -1850,7 +1850,7 @@
           <a:p>
             <a:fld id="{AFCB438B-53EA-094D-A45F-391681BE2E8A}" type="datetimeFigureOut">
               <a:rPr lang="en-US" smtClean="0"/>
-              <a:t>8/3/20</a:t>
+              <a:t>8/4/20</a:t>
             </a:fld>
             <a:endParaRPr lang="en-US"/>
           </a:p>
@@ -2212,7 +2212,7 @@
           <a:p>
             <a:fld id="{AFCB438B-53EA-094D-A45F-391681BE2E8A}" type="datetimeFigureOut">
               <a:rPr lang="en-US" smtClean="0"/>
-              <a:t>8/3/20</a:t>
+              <a:t>8/4/20</a:t>
             </a:fld>
             <a:endParaRPr lang="en-US"/>
           </a:p>
@@ -2325,7 +2325,7 @@
           <a:p>
             <a:fld id="{AFCB438B-53EA-094D-A45F-391681BE2E8A}" type="datetimeFigureOut">
               <a:rPr lang="en-US" smtClean="0"/>
-              <a:t>8/3/20</a:t>
+              <a:t>8/4/20</a:t>
             </a:fld>
             <a:endParaRPr lang="en-US"/>
           </a:p>
@@ -2415,7 +2415,7 @@
           <a:p>
             <a:fld id="{AFCB438B-53EA-094D-A45F-391681BE2E8A}" type="datetimeFigureOut">
               <a:rPr lang="en-US" smtClean="0"/>
-              <a:t>8/3/20</a:t>
+              <a:t>8/4/20</a:t>
             </a:fld>
             <a:endParaRPr lang="en-US"/>
           </a:p>
@@ -2687,7 +2687,7 @@
           <a:p>
             <a:fld id="{AFCB438B-53EA-094D-A45F-391681BE2E8A}" type="datetimeFigureOut">
               <a:rPr lang="en-US" smtClean="0"/>
-              <a:t>8/3/20</a:t>
+              <a:t>8/4/20</a:t>
             </a:fld>
             <a:endParaRPr lang="en-US"/>
           </a:p>
@@ -2939,7 +2939,7 @@
           <a:p>
             <a:fld id="{AFCB438B-53EA-094D-A45F-391681BE2E8A}" type="datetimeFigureOut">
               <a:rPr lang="en-US" smtClean="0"/>
-              <a:t>8/3/20</a:t>
+              <a:t>8/4/20</a:t>
             </a:fld>
             <a:endParaRPr lang="en-US"/>
           </a:p>
@@ -3147,7 +3147,7 @@
           <a:p>
             <a:fld id="{AFCB438B-53EA-094D-A45F-391681BE2E8A}" type="datetimeFigureOut">
               <a:rPr lang="en-US" smtClean="0"/>
-              <a:t>8/3/20</a:t>
+              <a:t>8/4/20</a:t>
             </a:fld>
             <a:endParaRPr lang="en-US"/>
           </a:p>
@@ -7983,7 +7983,7 @@
           <p:cNvPr id="14" name="Oval 13">
             <a:extLst>
               <a:ext uri="{FF2B5EF4-FFF2-40B4-BE49-F238E27FC236}">
-                <a16:creationId xmlns:a16="http://schemas.microsoft.com/office/drawing/2014/main" xmlns="" id="{D79BB1CE-39DB-BB49-A501-C6EFD2590B3E}"/>
+                <a16:creationId xmlns="" xmlns:a16="http://schemas.microsoft.com/office/drawing/2014/main" id="{D79BB1CE-39DB-BB49-A501-C6EFD2590B3E}"/>
               </a:ext>
             </a:extLst>
           </p:cNvPr>
@@ -8037,7 +8037,7 @@
           <p:cNvPr id="15" name="TextBox 14">
             <a:extLst>
               <a:ext uri="{FF2B5EF4-FFF2-40B4-BE49-F238E27FC236}">
-                <a16:creationId xmlns:a16="http://schemas.microsoft.com/office/drawing/2014/main" xmlns="" id="{549D0D24-412B-7248-8FF0-F05F9C55085D}"/>
+                <a16:creationId xmlns="" xmlns:a16="http://schemas.microsoft.com/office/drawing/2014/main" id="{549D0D24-412B-7248-8FF0-F05F9C55085D}"/>
               </a:ext>
             </a:extLst>
           </p:cNvPr>
@@ -8074,7 +8074,7 @@
           <p:cNvPr id="17" name="Oval 16">
             <a:extLst>
               <a:ext uri="{FF2B5EF4-FFF2-40B4-BE49-F238E27FC236}">
-                <a16:creationId xmlns:a16="http://schemas.microsoft.com/office/drawing/2014/main" xmlns="" id="{AC3A3EC1-2396-B943-9A2D-48335F761392}"/>
+                <a16:creationId xmlns="" xmlns:a16="http://schemas.microsoft.com/office/drawing/2014/main" id="{AC3A3EC1-2396-B943-9A2D-48335F761392}"/>
               </a:ext>
             </a:extLst>
           </p:cNvPr>
@@ -8128,7 +8128,7 @@
           <p:cNvPr id="18" name="TextBox 17">
             <a:extLst>
               <a:ext uri="{FF2B5EF4-FFF2-40B4-BE49-F238E27FC236}">
-                <a16:creationId xmlns:a16="http://schemas.microsoft.com/office/drawing/2014/main" xmlns="" id="{9387BF14-286E-9147-8AFD-F2A31BFA281B}"/>
+                <a16:creationId xmlns="" xmlns:a16="http://schemas.microsoft.com/office/drawing/2014/main" id="{9387BF14-286E-9147-8AFD-F2A31BFA281B}"/>
               </a:ext>
             </a:extLst>
           </p:cNvPr>
@@ -8165,7 +8165,7 @@
           <p:cNvPr id="19" name="Oval 18">
             <a:extLst>
               <a:ext uri="{FF2B5EF4-FFF2-40B4-BE49-F238E27FC236}">
-                <a16:creationId xmlns:a16="http://schemas.microsoft.com/office/drawing/2014/main" xmlns="" id="{AC3A3EC1-2396-B943-9A2D-48335F761392}"/>
+                <a16:creationId xmlns="" xmlns:a16="http://schemas.microsoft.com/office/drawing/2014/main" id="{AC3A3EC1-2396-B943-9A2D-48335F761392}"/>
               </a:ext>
             </a:extLst>
           </p:cNvPr>
@@ -8219,7 +8219,7 @@
           <p:cNvPr id="27" name="Oval 26">
             <a:extLst>
               <a:ext uri="{FF2B5EF4-FFF2-40B4-BE49-F238E27FC236}">
-                <a16:creationId xmlns:a16="http://schemas.microsoft.com/office/drawing/2014/main" xmlns="" id="{D79BB1CE-39DB-BB49-A501-C6EFD2590B3E}"/>
+                <a16:creationId xmlns="" xmlns:a16="http://schemas.microsoft.com/office/drawing/2014/main" id="{D79BB1CE-39DB-BB49-A501-C6EFD2590B3E}"/>
               </a:ext>
             </a:extLst>
           </p:cNvPr>
@@ -8273,7 +8273,7 @@
           <p:cNvPr id="28" name="Oval 27">
             <a:extLst>
               <a:ext uri="{FF2B5EF4-FFF2-40B4-BE49-F238E27FC236}">
-                <a16:creationId xmlns:a16="http://schemas.microsoft.com/office/drawing/2014/main" xmlns="" id="{D79BB1CE-39DB-BB49-A501-C6EFD2590B3E}"/>
+                <a16:creationId xmlns="" xmlns:a16="http://schemas.microsoft.com/office/drawing/2014/main" id="{D79BB1CE-39DB-BB49-A501-C6EFD2590B3E}"/>
               </a:ext>
             </a:extLst>
           </p:cNvPr>
@@ -8327,7 +8327,7 @@
           <p:cNvPr id="29" name="Oval 28">
             <a:extLst>
               <a:ext uri="{FF2B5EF4-FFF2-40B4-BE49-F238E27FC236}">
-                <a16:creationId xmlns:a16="http://schemas.microsoft.com/office/drawing/2014/main" xmlns="" id="{D79BB1CE-39DB-BB49-A501-C6EFD2590B3E}"/>
+                <a16:creationId xmlns="" xmlns:a16="http://schemas.microsoft.com/office/drawing/2014/main" id="{D79BB1CE-39DB-BB49-A501-C6EFD2590B3E}"/>
               </a:ext>
             </a:extLst>
           </p:cNvPr>
@@ -8381,7 +8381,7 @@
           <p:cNvPr id="30" name="Oval 29">
             <a:extLst>
               <a:ext uri="{FF2B5EF4-FFF2-40B4-BE49-F238E27FC236}">
-                <a16:creationId xmlns:a16="http://schemas.microsoft.com/office/drawing/2014/main" xmlns="" id="{AC3A3EC1-2396-B943-9A2D-48335F761392}"/>
+                <a16:creationId xmlns="" xmlns:a16="http://schemas.microsoft.com/office/drawing/2014/main" id="{AC3A3EC1-2396-B943-9A2D-48335F761392}"/>
               </a:ext>
             </a:extLst>
           </p:cNvPr>
@@ -8435,7 +8435,7 @@
           <p:cNvPr id="31" name="Oval 30">
             <a:extLst>
               <a:ext uri="{FF2B5EF4-FFF2-40B4-BE49-F238E27FC236}">
-                <a16:creationId xmlns:a16="http://schemas.microsoft.com/office/drawing/2014/main" xmlns="" id="{AC3A3EC1-2396-B943-9A2D-48335F761392}"/>
+                <a16:creationId xmlns="" xmlns:a16="http://schemas.microsoft.com/office/drawing/2014/main" id="{AC3A3EC1-2396-B943-9A2D-48335F761392}"/>
               </a:ext>
             </a:extLst>
           </p:cNvPr>
@@ -10745,7 +10745,7 @@
           <p:cNvPr id="14" name="Oval 13">
             <a:extLst>
               <a:ext uri="{FF2B5EF4-FFF2-40B4-BE49-F238E27FC236}">
-                <a16:creationId xmlns:a16="http://schemas.microsoft.com/office/drawing/2014/main" xmlns="" id="{D79BB1CE-39DB-BB49-A501-C6EFD2590B3E}"/>
+                <a16:creationId xmlns="" xmlns:a16="http://schemas.microsoft.com/office/drawing/2014/main" id="{D79BB1CE-39DB-BB49-A501-C6EFD2590B3E}"/>
               </a:ext>
             </a:extLst>
           </p:cNvPr>
@@ -10799,7 +10799,7 @@
           <p:cNvPr id="15" name="TextBox 14">
             <a:extLst>
               <a:ext uri="{FF2B5EF4-FFF2-40B4-BE49-F238E27FC236}">
-                <a16:creationId xmlns:a16="http://schemas.microsoft.com/office/drawing/2014/main" xmlns="" id="{549D0D24-412B-7248-8FF0-F05F9C55085D}"/>
+                <a16:creationId xmlns="" xmlns:a16="http://schemas.microsoft.com/office/drawing/2014/main" id="{549D0D24-412B-7248-8FF0-F05F9C55085D}"/>
               </a:ext>
             </a:extLst>
           </p:cNvPr>
@@ -10836,7 +10836,7 @@
           <p:cNvPr id="17" name="Oval 16">
             <a:extLst>
               <a:ext uri="{FF2B5EF4-FFF2-40B4-BE49-F238E27FC236}">
-                <a16:creationId xmlns:a16="http://schemas.microsoft.com/office/drawing/2014/main" xmlns="" id="{AC3A3EC1-2396-B943-9A2D-48335F761392}"/>
+                <a16:creationId xmlns="" xmlns:a16="http://schemas.microsoft.com/office/drawing/2014/main" id="{AC3A3EC1-2396-B943-9A2D-48335F761392}"/>
               </a:ext>
             </a:extLst>
           </p:cNvPr>
@@ -10890,7 +10890,7 @@
           <p:cNvPr id="18" name="TextBox 17">
             <a:extLst>
               <a:ext uri="{FF2B5EF4-FFF2-40B4-BE49-F238E27FC236}">
-                <a16:creationId xmlns:a16="http://schemas.microsoft.com/office/drawing/2014/main" xmlns="" id="{9387BF14-286E-9147-8AFD-F2A31BFA281B}"/>
+                <a16:creationId xmlns="" xmlns:a16="http://schemas.microsoft.com/office/drawing/2014/main" id="{9387BF14-286E-9147-8AFD-F2A31BFA281B}"/>
               </a:ext>
             </a:extLst>
           </p:cNvPr>
@@ -10927,7 +10927,7 @@
           <p:cNvPr id="19" name="Oval 18">
             <a:extLst>
               <a:ext uri="{FF2B5EF4-FFF2-40B4-BE49-F238E27FC236}">
-                <a16:creationId xmlns:a16="http://schemas.microsoft.com/office/drawing/2014/main" xmlns="" id="{AC3A3EC1-2396-B943-9A2D-48335F761392}"/>
+                <a16:creationId xmlns="" xmlns:a16="http://schemas.microsoft.com/office/drawing/2014/main" id="{AC3A3EC1-2396-B943-9A2D-48335F761392}"/>
               </a:ext>
             </a:extLst>
           </p:cNvPr>
@@ -10981,7 +10981,7 @@
           <p:cNvPr id="26" name="Oval 25">
             <a:extLst>
               <a:ext uri="{FF2B5EF4-FFF2-40B4-BE49-F238E27FC236}">
-                <a16:creationId xmlns:a16="http://schemas.microsoft.com/office/drawing/2014/main" xmlns="" id="{D79BB1CE-39DB-BB49-A501-C6EFD2590B3E}"/>
+                <a16:creationId xmlns="" xmlns:a16="http://schemas.microsoft.com/office/drawing/2014/main" id="{D79BB1CE-39DB-BB49-A501-C6EFD2590B3E}"/>
               </a:ext>
             </a:extLst>
           </p:cNvPr>
@@ -11035,7 +11035,7 @@
           <p:cNvPr id="27" name="Oval 26">
             <a:extLst>
               <a:ext uri="{FF2B5EF4-FFF2-40B4-BE49-F238E27FC236}">
-                <a16:creationId xmlns:a16="http://schemas.microsoft.com/office/drawing/2014/main" xmlns="" id="{AC3A3EC1-2396-B943-9A2D-48335F761392}"/>
+                <a16:creationId xmlns="" xmlns:a16="http://schemas.microsoft.com/office/drawing/2014/main" id="{AC3A3EC1-2396-B943-9A2D-48335F761392}"/>
               </a:ext>
             </a:extLst>
           </p:cNvPr>
@@ -11089,7 +11089,7 @@
           <p:cNvPr id="28" name="Oval 27">
             <a:extLst>
               <a:ext uri="{FF2B5EF4-FFF2-40B4-BE49-F238E27FC236}">
-                <a16:creationId xmlns:a16="http://schemas.microsoft.com/office/drawing/2014/main" xmlns="" id="{D79BB1CE-39DB-BB49-A501-C6EFD2590B3E}"/>
+                <a16:creationId xmlns="" xmlns:a16="http://schemas.microsoft.com/office/drawing/2014/main" id="{D79BB1CE-39DB-BB49-A501-C6EFD2590B3E}"/>
               </a:ext>
             </a:extLst>
           </p:cNvPr>
@@ -11143,7 +11143,7 @@
           <p:cNvPr id="29" name="Oval 28">
             <a:extLst>
               <a:ext uri="{FF2B5EF4-FFF2-40B4-BE49-F238E27FC236}">
-                <a16:creationId xmlns:a16="http://schemas.microsoft.com/office/drawing/2014/main" xmlns="" id="{AC3A3EC1-2396-B943-9A2D-48335F761392}"/>
+                <a16:creationId xmlns="" xmlns:a16="http://schemas.microsoft.com/office/drawing/2014/main" id="{AC3A3EC1-2396-B943-9A2D-48335F761392}"/>
               </a:ext>
             </a:extLst>
           </p:cNvPr>
@@ -11197,7 +11197,7 @@
           <p:cNvPr id="30" name="Oval 29">
             <a:extLst>
               <a:ext uri="{FF2B5EF4-FFF2-40B4-BE49-F238E27FC236}">
-                <a16:creationId xmlns:a16="http://schemas.microsoft.com/office/drawing/2014/main" xmlns="" id="{D79BB1CE-39DB-BB49-A501-C6EFD2590B3E}"/>
+                <a16:creationId xmlns="" xmlns:a16="http://schemas.microsoft.com/office/drawing/2014/main" id="{D79BB1CE-39DB-BB49-A501-C6EFD2590B3E}"/>
               </a:ext>
             </a:extLst>
           </p:cNvPr>
